--- a/Project 2.pptx
+++ b/Project 2.pptx
@@ -5,7 +5,7 @@
     <p:sldMasterId id="2147483660" r:id="rId1"/>
   </p:sldMasterIdLst>
   <p:notesMasterIdLst>
-    <p:notesMasterId r:id="rId15"/>
+    <p:notesMasterId r:id="rId14"/>
   </p:notesMasterIdLst>
   <p:sldIdLst>
     <p:sldId id="279" r:id="rId2"/>
@@ -13,14 +13,13 @@
     <p:sldId id="271" r:id="rId4"/>
     <p:sldId id="272" r:id="rId5"/>
     <p:sldId id="274" r:id="rId6"/>
-    <p:sldId id="260" r:id="rId7"/>
-    <p:sldId id="258" r:id="rId8"/>
-    <p:sldId id="278" r:id="rId9"/>
-    <p:sldId id="275" r:id="rId10"/>
-    <p:sldId id="276" r:id="rId11"/>
-    <p:sldId id="277" r:id="rId12"/>
-    <p:sldId id="266" r:id="rId13"/>
-    <p:sldId id="268" r:id="rId14"/>
+    <p:sldId id="258" r:id="rId7"/>
+    <p:sldId id="278" r:id="rId8"/>
+    <p:sldId id="275" r:id="rId9"/>
+    <p:sldId id="276" r:id="rId10"/>
+    <p:sldId id="277" r:id="rId11"/>
+    <p:sldId id="266" r:id="rId12"/>
+    <p:sldId id="268" r:id="rId13"/>
   </p:sldIdLst>
   <p:sldSz cx="12192000" cy="6858000"/>
   <p:notesSz cx="6858000" cy="9144000"/>
@@ -3877,7 +3876,7 @@
       </dgm:t>
     </dgm:pt>
     <dgm:pt modelId="{E97EE444-78B6-4F05-B900-22828BC6EA3C}">
-      <dgm:prSet/>
+      <dgm:prSet custT="1"/>
       <dgm:spPr/>
       <dgm:t>
         <a:bodyPr/>
@@ -3885,15 +3884,15 @@
         <a:p>
           <a:pPr>
             <a:lnSpc>
-              <a:spcPct val="100000"/>
+              <a:spcPct val="150000"/>
             </a:lnSpc>
           </a:pPr>
           <a:r>
-            <a:rPr lang="en-US" dirty="0"/>
+            <a:rPr lang="en-US" sz="1400" dirty="0"/>
             <a:t>At our real estate investment firm, apart from providing investors with new and refurbished investment properties, we also do consultation service to sellers who want to sell their homes by estimating sale price, finding buyers, taking care of the documentation process until seller handovers key to the buyer</a:t>
           </a:r>
           <a:r>
-            <a:rPr lang="en-US" b="0" i="0" dirty="0"/>
+            <a:rPr lang="en-US" sz="1400" b="0" i="0" dirty="0"/>
             <a:t>.</a:t>
           </a:r>
         </a:p>
@@ -3922,7 +3921,7 @@
       </dgm:t>
     </dgm:pt>
     <dgm:pt modelId="{1D90D5E6-8BFF-4304-9C1F-9AB04EF10268}">
-      <dgm:prSet/>
+      <dgm:prSet custT="1"/>
       <dgm:spPr/>
       <dgm:t>
         <a:bodyPr/>
@@ -3930,22 +3929,22 @@
         <a:p>
           <a:pPr>
             <a:lnSpc>
-              <a:spcPct val="100000"/>
+              <a:spcPct val="150000"/>
             </a:lnSpc>
           </a:pPr>
           <a:r>
-            <a:rPr lang="en-US" dirty="0"/>
+            <a:rPr lang="en-US" sz="1400" dirty="0"/>
             <a:t>We have been given list of  clients who are willing to sell their homes in Ames city in  Iowa.</a:t>
           </a:r>
         </a:p>
         <a:p>
           <a:pPr>
             <a:lnSpc>
-              <a:spcPct val="100000"/>
+              <a:spcPct val="150000"/>
             </a:lnSpc>
           </a:pPr>
           <a:r>
-            <a:rPr lang="en-US" dirty="0"/>
+            <a:rPr lang="en-US" sz="1400" dirty="0"/>
             <a:t>This analysis seeks to predict sale price of homes in Ames.</a:t>
           </a:r>
         </a:p>
@@ -3974,7 +3973,7 @@
       </dgm:t>
     </dgm:pt>
     <dgm:pt modelId="{6C2E53B0-496E-4FDB-935C-8898CCA5BA9F}">
-      <dgm:prSet/>
+      <dgm:prSet custT="1"/>
       <dgm:spPr/>
       <dgm:t>
         <a:bodyPr/>
@@ -3982,11 +3981,11 @@
         <a:p>
           <a:pPr>
             <a:lnSpc>
-              <a:spcPct val="100000"/>
+              <a:spcPct val="150000"/>
             </a:lnSpc>
           </a:pPr>
           <a:r>
-            <a:rPr lang="en-US" dirty="0"/>
+            <a:rPr lang="en-US" sz="1400" dirty="0"/>
             <a:t>This analysis also aims to list down top factors that affect sale price in Ames which can be used as a checklist in the future if any client from these locations approaches us seeking consultation service to sell their property.</a:t>
           </a:r>
         </a:p>
@@ -4028,7 +4027,7 @@
       <dgm:spPr/>
     </dgm:pt>
     <dgm:pt modelId="{4B957B05-D935-444C-97AF-5B1511EC5331}" type="pres">
-      <dgm:prSet presAssocID="{E97EE444-78B6-4F05-B900-22828BC6EA3C}" presName="iconRect" presStyleLbl="node1" presStyleIdx="0" presStyleCnt="3"/>
+      <dgm:prSet presAssocID="{E97EE444-78B6-4F05-B900-22828BC6EA3C}" presName="iconRect" presStyleLbl="node1" presStyleIdx="0" presStyleCnt="3" custLinFactNeighborX="-13828" custLinFactNeighborY="-86044"/>
       <dgm:spPr>
         <a:blipFill>
           <a:blip xmlns:r="http://schemas.openxmlformats.org/officeDocument/2006/relationships" r:embed="rId1">
@@ -4057,7 +4056,7 @@
       <dgm:spPr/>
     </dgm:pt>
     <dgm:pt modelId="{6428B540-9E61-490A-B7EB-D94C6C41046C}" type="pres">
-      <dgm:prSet presAssocID="{E97EE444-78B6-4F05-B900-22828BC6EA3C}" presName="textRect" presStyleLbl="revTx" presStyleIdx="0" presStyleCnt="3">
+      <dgm:prSet presAssocID="{E97EE444-78B6-4F05-B900-22828BC6EA3C}" presName="textRect" presStyleLbl="revTx" presStyleIdx="0" presStyleCnt="3" custScaleX="172782" custScaleY="113444" custLinFactNeighborX="453" custLinFactNeighborY="-77260">
         <dgm:presLayoutVars>
           <dgm:chMax val="1"/>
           <dgm:chPref val="1"/>
@@ -4074,7 +4073,7 @@
       <dgm:spPr/>
     </dgm:pt>
     <dgm:pt modelId="{EC5835D4-A59F-4106-87F2-9C3AB09B0B6C}" type="pres">
-      <dgm:prSet presAssocID="{1D90D5E6-8BFF-4304-9C1F-9AB04EF10268}" presName="iconRect" presStyleLbl="node1" presStyleIdx="1" presStyleCnt="3"/>
+      <dgm:prSet presAssocID="{1D90D5E6-8BFF-4304-9C1F-9AB04EF10268}" presName="iconRect" presStyleLbl="node1" presStyleIdx="1" presStyleCnt="3" custLinFactNeighborX="-24516" custLinFactNeighborY="-89641"/>
       <dgm:spPr>
         <a:blipFill>
           <a:blip xmlns:r="http://schemas.openxmlformats.org/officeDocument/2006/relationships" r:embed="rId3">
@@ -4103,7 +4102,7 @@
       <dgm:spPr/>
     </dgm:pt>
     <dgm:pt modelId="{051CB90F-07C8-4F9A-9DAD-30BDC84AA500}" type="pres">
-      <dgm:prSet presAssocID="{1D90D5E6-8BFF-4304-9C1F-9AB04EF10268}" presName="textRect" presStyleLbl="revTx" presStyleIdx="1" presStyleCnt="3">
+      <dgm:prSet presAssocID="{1D90D5E6-8BFF-4304-9C1F-9AB04EF10268}" presName="textRect" presStyleLbl="revTx" presStyleIdx="1" presStyleCnt="3" custScaleX="120297" custLinFactNeighborX="-2797" custLinFactNeighborY="-74230">
         <dgm:presLayoutVars>
           <dgm:chMax val="1"/>
           <dgm:chPref val="1"/>
@@ -4120,7 +4119,7 @@
       <dgm:spPr/>
     </dgm:pt>
     <dgm:pt modelId="{AAEF2F3A-A199-459B-9452-60D5879A0A1E}" type="pres">
-      <dgm:prSet presAssocID="{6C2E53B0-496E-4FDB-935C-8898CCA5BA9F}" presName="iconRect" presStyleLbl="node1" presStyleIdx="2" presStyleCnt="3"/>
+      <dgm:prSet presAssocID="{6C2E53B0-496E-4FDB-935C-8898CCA5BA9F}" presName="iconRect" presStyleLbl="node1" presStyleIdx="2" presStyleCnt="3" custLinFactY="-1064" custLinFactNeighborX="-1263" custLinFactNeighborY="-100000"/>
       <dgm:spPr>
         <a:blipFill>
           <a:blip xmlns:r="http://schemas.openxmlformats.org/officeDocument/2006/relationships" r:embed="rId5">
@@ -4149,7 +4148,7 @@
       <dgm:spPr/>
     </dgm:pt>
     <dgm:pt modelId="{BE761899-8192-45D6-A63B-4C4803169875}" type="pres">
-      <dgm:prSet presAssocID="{6C2E53B0-496E-4FDB-935C-8898CCA5BA9F}" presName="textRect" presStyleLbl="revTx" presStyleIdx="2" presStyleCnt="3">
+      <dgm:prSet presAssocID="{6C2E53B0-496E-4FDB-935C-8898CCA5BA9F}" presName="textRect" presStyleLbl="revTx" presStyleIdx="2" presStyleCnt="3" custScaleX="195958" custLinFactNeighborX="-2274" custLinFactNeighborY="-57984">
         <dgm:presLayoutVars>
           <dgm:chMax val="1"/>
           <dgm:chPref val="1"/>
@@ -6242,8 +6241,8 @@
       </dsp:nvSpPr>
       <dsp:spPr>
         <a:xfrm>
-          <a:off x="975829" y="728864"/>
-          <a:ext cx="1458957" cy="1458957"/>
+          <a:off x="1247107" y="280985"/>
+          <a:ext cx="939791" cy="939791"/>
         </a:xfrm>
         <a:prstGeom prst="rect">
           <a:avLst/>
@@ -6298,8 +6297,8 @@
       </dsp:nvSpPr>
       <dsp:spPr>
         <a:xfrm>
-          <a:off x="84244" y="2659885"/>
-          <a:ext cx="3242127" cy="1215000"/>
+          <a:off x="52206" y="1492021"/>
+          <a:ext cx="3608423" cy="1202891"/>
         </a:xfrm>
         <a:prstGeom prst="rect">
           <a:avLst/>
@@ -6328,9 +6327,9 @@
         </a:bodyPr>
         <a:lstStyle/>
         <a:p>
-          <a:pPr marL="0" lvl="0" indent="0" algn="ctr" defTabSz="488950">
+          <a:pPr marL="0" lvl="0" indent="0" algn="ctr" defTabSz="622300">
             <a:lnSpc>
-              <a:spcPct val="100000"/>
+              <a:spcPct val="150000"/>
             </a:lnSpc>
             <a:spcBef>
               <a:spcPct val="0"/>
@@ -6341,18 +6340,18 @@
             <a:buNone/>
           </a:pPr>
           <a:r>
-            <a:rPr lang="en-US" sz="1100" kern="1200" dirty="0"/>
+            <a:rPr lang="en-US" sz="1400" kern="1200" dirty="0"/>
             <a:t>At our real estate investment firm, apart from providing investors with new and refurbished investment properties, we also do consultation service to sellers who want to sell their homes by estimating sale price, finding buyers, taking care of the documentation process until seller handovers key to the buyer</a:t>
           </a:r>
           <a:r>
-            <a:rPr lang="en-US" sz="1100" b="0" i="0" kern="1200" dirty="0"/>
+            <a:rPr lang="en-US" sz="1400" b="0" i="0" kern="1200" dirty="0"/>
             <a:t>.</a:t>
           </a:r>
         </a:p>
       </dsp:txBody>
       <dsp:txXfrm>
-        <a:off x="84244" y="2659885"/>
-        <a:ext cx="3242127" cy="1215000"/>
+        <a:off x="52206" y="1492021"/>
+        <a:ext cx="3608423" cy="1202891"/>
       </dsp:txXfrm>
     </dsp:sp>
     <dsp:sp modelId="{EC5835D4-A59F-4106-87F2-9C3AB09B0B6C}">
@@ -6362,8 +6361,8 @@
       </dsp:nvSpPr>
       <dsp:spPr>
         <a:xfrm>
-          <a:off x="4785328" y="728864"/>
-          <a:ext cx="1458957" cy="1458957"/>
+          <a:off x="4572505" y="282819"/>
+          <a:ext cx="939791" cy="939791"/>
         </a:xfrm>
         <a:prstGeom prst="rect">
           <a:avLst/>
@@ -6418,8 +6417,8 @@
       </dsp:nvSpPr>
       <dsp:spPr>
         <a:xfrm>
-          <a:off x="3893743" y="2659885"/>
-          <a:ext cx="3242127" cy="1215000"/>
+          <a:off x="3958230" y="1631063"/>
+          <a:ext cx="2512313" cy="1060339"/>
         </a:xfrm>
         <a:prstGeom prst="rect">
           <a:avLst/>
@@ -6448,9 +6447,9 @@
         </a:bodyPr>
         <a:lstStyle/>
         <a:p>
-          <a:pPr marL="0" lvl="0" indent="0" algn="ctr" defTabSz="488950">
+          <a:pPr marL="0" lvl="0" indent="0" algn="ctr" defTabSz="622300">
             <a:lnSpc>
-              <a:spcPct val="100000"/>
+              <a:spcPct val="150000"/>
             </a:lnSpc>
             <a:spcBef>
               <a:spcPct val="0"/>
@@ -6461,14 +6460,14 @@
             <a:buNone/>
           </a:pPr>
           <a:r>
-            <a:rPr lang="en-US" sz="1100" kern="1200" dirty="0"/>
+            <a:rPr lang="en-US" sz="1400" kern="1200" dirty="0"/>
             <a:t>We have been given list of  clients who are willing to sell their homes in Ames city in  Iowa.</a:t>
           </a:r>
         </a:p>
         <a:p>
-          <a:pPr marL="0" lvl="0" indent="0" algn="ctr" defTabSz="488950">
+          <a:pPr marL="0" lvl="0" indent="0" algn="ctr" defTabSz="622300">
             <a:lnSpc>
-              <a:spcPct val="100000"/>
+              <a:spcPct val="150000"/>
             </a:lnSpc>
             <a:spcBef>
               <a:spcPct val="0"/>
@@ -6479,14 +6478,14 @@
             <a:buNone/>
           </a:pPr>
           <a:r>
-            <a:rPr lang="en-US" sz="1100" kern="1200" dirty="0"/>
+            <a:rPr lang="en-US" sz="1400" kern="1200" dirty="0"/>
             <a:t>This analysis seeks to predict sale price of homes in Ames.</a:t>
           </a:r>
         </a:p>
       </dsp:txBody>
       <dsp:txXfrm>
-        <a:off x="3893743" y="2659885"/>
-        <a:ext cx="3242127" cy="1215000"/>
+        <a:off x="3958230" y="1631063"/>
+        <a:ext cx="2512313" cy="1060339"/>
       </dsp:txXfrm>
     </dsp:sp>
     <dsp:sp modelId="{AAEF2F3A-A199-459B-9452-60D5879A0A1E}">
@@ -6496,8 +6495,8 @@
       </dsp:nvSpPr>
       <dsp:spPr>
         <a:xfrm>
-          <a:off x="8594828" y="728864"/>
-          <a:ext cx="1458957" cy="1458957"/>
+          <a:off x="8458884" y="175466"/>
+          <a:ext cx="939791" cy="939791"/>
         </a:xfrm>
         <a:prstGeom prst="rect">
           <a:avLst/>
@@ -6552,8 +6551,8 @@
       </dsp:nvSpPr>
       <dsp:spPr>
         <a:xfrm>
-          <a:off x="7703243" y="2659885"/>
-          <a:ext cx="3242127" cy="1215000"/>
+          <a:off x="6846941" y="1803326"/>
+          <a:ext cx="4092436" cy="1060339"/>
         </a:xfrm>
         <a:prstGeom prst="rect">
           <a:avLst/>
@@ -6582,9 +6581,9 @@
         </a:bodyPr>
         <a:lstStyle/>
         <a:p>
-          <a:pPr marL="0" lvl="0" indent="0" algn="ctr" defTabSz="488950">
+          <a:pPr marL="0" lvl="0" indent="0" algn="ctr" defTabSz="622300">
             <a:lnSpc>
-              <a:spcPct val="100000"/>
+              <a:spcPct val="150000"/>
             </a:lnSpc>
             <a:spcBef>
               <a:spcPct val="0"/>
@@ -6595,14 +6594,14 @@
             <a:buNone/>
           </a:pPr>
           <a:r>
-            <a:rPr lang="en-US" sz="1100" kern="1200" dirty="0"/>
+            <a:rPr lang="en-US" sz="1400" kern="1200" dirty="0"/>
             <a:t>This analysis also aims to list down top factors that affect sale price in Ames which can be used as a checklist in the future if any client from these locations approaches us seeking consultation service to sell their property.</a:t>
           </a:r>
         </a:p>
       </dsp:txBody>
       <dsp:txXfrm>
-        <a:off x="7703243" y="2659885"/>
-        <a:ext cx="3242127" cy="1215000"/>
+        <a:off x="6846941" y="1803326"/>
+        <a:ext cx="4092436" cy="1060339"/>
       </dsp:txXfrm>
     </dsp:sp>
   </dsp:spTree>
@@ -19052,7 +19051,7 @@
           <a:p>
             <a:fld id="{57A131AD-8CBA-DF4C-A1EC-0FC1DAA6F1CA}" type="datetimeFigureOut">
               <a:rPr lang="en-US" smtClean="0"/>
-              <a:t>6/6/21</a:t>
+              <a:t>6/7/21</a:t>
             </a:fld>
             <a:endParaRPr lang="en-US"/>
           </a:p>
@@ -19384,91 +19383,7 @@
           <a:p>
             <a:fld id="{A5002030-1FE6-7E41-A78B-86DFCAE5E7E3}" type="slidenum">
               <a:rPr lang="en-US" smtClean="0"/>
-              <a:t>6</a:t>
-            </a:fld>
-            <a:endParaRPr lang="en-US"/>
-          </a:p>
-        </p:txBody>
-      </p:sp>
-    </p:spTree>
-    <p:extLst>
-      <p:ext uri="{BB962C8B-B14F-4D97-AF65-F5344CB8AC3E}">
-        <p14:creationId xmlns:p14="http://schemas.microsoft.com/office/powerpoint/2010/main" val="4272286872"/>
-      </p:ext>
-    </p:extLst>
-  </p:cSld>
-  <p:clrMapOvr>
-    <a:masterClrMapping/>
-  </p:clrMapOvr>
-</p:notes>
-</file>
-
-<file path=ppt/notesSlides/notesSlide2.xml><?xml version="1.0" encoding="utf-8"?>
-<p:notes xmlns:a="http://schemas.openxmlformats.org/drawingml/2006/main" xmlns:r="http://schemas.openxmlformats.org/officeDocument/2006/relationships" xmlns:p="http://schemas.openxmlformats.org/presentationml/2006/main">
-  <p:cSld>
-    <p:spTree>
-      <p:nvGrpSpPr>
-        <p:cNvPr id="1" name=""/>
-        <p:cNvGrpSpPr/>
-        <p:nvPr/>
-      </p:nvGrpSpPr>
-      <p:grpSpPr>
-        <a:xfrm>
-          <a:off x="0" y="0"/>
-          <a:ext cx="0" cy="0"/>
-          <a:chOff x="0" y="0"/>
-          <a:chExt cx="0" cy="0"/>
-        </a:xfrm>
-      </p:grpSpPr>
-      <p:sp>
-        <p:nvSpPr>
-          <p:cNvPr id="2" name="Slide Image Placeholder 1"/>
-          <p:cNvSpPr>
-            <a:spLocks noGrp="1" noRot="1" noChangeAspect="1"/>
-          </p:cNvSpPr>
-          <p:nvPr>
-            <p:ph type="sldImg"/>
-          </p:nvPr>
-        </p:nvSpPr>
-        <p:spPr/>
-      </p:sp>
-      <p:sp>
-        <p:nvSpPr>
-          <p:cNvPr id="3" name="Notes Placeholder 2"/>
-          <p:cNvSpPr>
-            <a:spLocks noGrp="1"/>
-          </p:cNvSpPr>
-          <p:nvPr>
-            <p:ph type="body" idx="1"/>
-          </p:nvPr>
-        </p:nvSpPr>
-        <p:spPr/>
-        <p:txBody>
-          <a:bodyPr/>
-          <a:lstStyle/>
-          <a:p>
-            <a:endParaRPr lang="en-US" dirty="0"/>
-          </a:p>
-        </p:txBody>
-      </p:sp>
-      <p:sp>
-        <p:nvSpPr>
-          <p:cNvPr id="4" name="Slide Number Placeholder 3"/>
-          <p:cNvSpPr>
-            <a:spLocks noGrp="1"/>
-          </p:cNvSpPr>
-          <p:nvPr>
-            <p:ph type="sldNum" sz="quarter" idx="5"/>
-          </p:nvPr>
-        </p:nvSpPr>
-        <p:spPr/>
-        <p:txBody>
-          <a:bodyPr/>
-          <a:lstStyle/>
-          <a:p>
-            <a:fld id="{A5002030-1FE6-7E41-A78B-86DFCAE5E7E3}" type="slidenum">
-              <a:rPr lang="en-US" smtClean="0"/>
-              <a:t>12</a:t>
+              <a:t>11</a:t>
             </a:fld>
             <a:endParaRPr lang="en-US"/>
           </a:p>
@@ -19725,7 +19640,7 @@
           <a:p>
             <a:fld id="{ED291B17-9318-49DB-B28B-6E5994AE9581}" type="datetime1">
               <a:rPr lang="en-US" smtClean="0"/>
-              <a:t>6/6/21</a:t>
+              <a:t>6/7/21</a:t>
             </a:fld>
             <a:endParaRPr lang="en-US" dirty="0"/>
           </a:p>
@@ -19928,7 +19843,7 @@
           <a:p>
             <a:fld id="{2CED4963-E985-44C4-B8C4-FDD613B7C2F8}" type="datetime1">
               <a:rPr lang="en-US" smtClean="0"/>
-              <a:t>6/6/21</a:t>
+              <a:t>6/7/21</a:t>
             </a:fld>
             <a:endParaRPr lang="en-US" dirty="0"/>
           </a:p>
@@ -20290,7 +20205,7 @@
           <a:p>
             <a:fld id="{ED291B17-9318-49DB-B28B-6E5994AE9581}" type="datetime1">
               <a:rPr lang="en-US" smtClean="0"/>
-              <a:t>6/6/21</a:t>
+              <a:t>6/7/21</a:t>
             </a:fld>
             <a:endParaRPr lang="en-US" dirty="0"/>
           </a:p>
@@ -20488,7 +20403,7 @@
           <a:p>
             <a:fld id="{78DD82B9-B8EE-4375-B6FF-88FA6ABB15D9}" type="datetime1">
               <a:rPr lang="en-US" smtClean="0"/>
-              <a:t>6/6/21</a:t>
+              <a:t>6/7/21</a:t>
             </a:fld>
             <a:endParaRPr lang="en-US" dirty="0"/>
           </a:p>
@@ -20800,7 +20715,7 @@
           <a:p>
             <a:fld id="{B2497495-0637-405E-AE64-5CC7506D51F5}" type="datetime1">
               <a:rPr lang="en-US" smtClean="0"/>
-              <a:t>6/6/21</a:t>
+              <a:t>6/7/21</a:t>
             </a:fld>
             <a:endParaRPr lang="en-US" dirty="0"/>
           </a:p>
@@ -21053,7 +20968,7 @@
           <a:p>
             <a:fld id="{7BFFD690-9426-415D-8B65-26881E07B2D4}" type="datetime1">
               <a:rPr lang="en-US" smtClean="0"/>
-              <a:t>6/6/21</a:t>
+              <a:t>6/7/21</a:t>
             </a:fld>
             <a:endParaRPr lang="en-US" dirty="0"/>
           </a:p>
@@ -21475,7 +21390,7 @@
           <a:p>
             <a:fld id="{04C4989A-474C-40DE-95B9-011C28B71673}" type="datetime1">
               <a:rPr lang="en-US" smtClean="0"/>
-              <a:t>6/6/21</a:t>
+              <a:t>6/7/21</a:t>
             </a:fld>
             <a:endParaRPr lang="en-US" dirty="0"/>
           </a:p>
@@ -21598,7 +21513,7 @@
           <a:p>
             <a:fld id="{5DB4ED54-5B5E-4A04-93D3-5772E3CE3818}" type="datetime1">
               <a:rPr lang="en-US" smtClean="0"/>
-              <a:t>6/6/21</a:t>
+              <a:t>6/7/21</a:t>
             </a:fld>
             <a:endParaRPr lang="en-US" dirty="0"/>
           </a:p>
@@ -21693,7 +21608,7 @@
           <a:p>
             <a:fld id="{4EDE50D6-574B-40AF-946F-D52A04ADE379}" type="datetime1">
               <a:rPr lang="en-US" smtClean="0"/>
-              <a:t>6/6/21</a:t>
+              <a:t>6/7/21</a:t>
             </a:fld>
             <a:endParaRPr lang="en-US" dirty="0"/>
           </a:p>
@@ -22070,7 +21985,7 @@
           <a:p>
             <a:fld id="{D82884F1-FFEA-405F-9602-3DCA865EDA4E}" type="datetime1">
               <a:rPr lang="en-US" smtClean="0"/>
-              <a:t>6/6/21</a:t>
+              <a:t>6/7/21</a:t>
             </a:fld>
             <a:endParaRPr lang="en-US" dirty="0"/>
           </a:p>
@@ -22363,7 +22278,7 @@
           <a:p>
             <a:fld id="{7E18DB4A-8810-4A10-AD5C-D5E2C667F5B3}" type="datetime1">
               <a:rPr lang="en-US" smtClean="0"/>
-              <a:t>6/6/21</a:t>
+              <a:t>6/7/21</a:t>
             </a:fld>
             <a:endParaRPr lang="en-US" dirty="0"/>
           </a:p>
@@ -22578,7 +22493,7 @@
           <a:p>
             <a:fld id="{ED291B17-9318-49DB-B28B-6E5994AE9581}" type="datetime1">
               <a:rPr lang="en-US" smtClean="0"/>
-              <a:t>6/6/21</a:t>
+              <a:t>6/7/21</a:t>
             </a:fld>
             <a:endParaRPr lang="en-US" dirty="0"/>
           </a:p>
@@ -23558,460 +23473,6 @@
           <a:chExt cx="0" cy="0"/>
         </a:xfrm>
       </p:grpSpPr>
-      <p:graphicFrame>
-        <p:nvGraphicFramePr>
-          <p:cNvPr id="4" name="Table 3">
-            <a:extLst>
-              <a:ext uri="{FF2B5EF4-FFF2-40B4-BE49-F238E27FC236}">
-                <a16:creationId xmlns:a16="http://schemas.microsoft.com/office/drawing/2014/main" id="{739E082D-69F5-B94D-8178-1C8F870D0D4E}"/>
-              </a:ext>
-            </a:extLst>
-          </p:cNvPr>
-          <p:cNvGraphicFramePr>
-            <a:graphicFrameLocks noGrp="1"/>
-          </p:cNvGraphicFramePr>
-          <p:nvPr>
-            <p:extLst>
-              <p:ext uri="{D42A27DB-BD31-4B8C-83A1-F6EECF244321}">
-                <p14:modId xmlns:p14="http://schemas.microsoft.com/office/powerpoint/2010/main" val="1464939953"/>
-              </p:ext>
-            </p:extLst>
-          </p:nvPr>
-        </p:nvGraphicFramePr>
-        <p:xfrm>
-          <a:off x="445007" y="1969569"/>
-          <a:ext cx="11301985" cy="2256800"/>
-        </p:xfrm>
-        <a:graphic>
-          <a:graphicData uri="http://schemas.openxmlformats.org/drawingml/2006/table">
-            <a:tbl>
-              <a:tblPr firstRow="1" bandRow="1">
-                <a:tableStyleId>{5C22544A-7EE6-4342-B048-85BDC9FD1C3A}</a:tableStyleId>
-              </a:tblPr>
-              <a:tblGrid>
-                <a:gridCol w="3548158">
-                  <a:extLst>
-                    <a:ext uri="{9D8B030D-6E8A-4147-A177-3AD203B41FA5}">
-                      <a16:colId xmlns:a16="http://schemas.microsoft.com/office/drawing/2014/main" val="4000194972"/>
-                    </a:ext>
-                  </a:extLst>
-                </a:gridCol>
-                <a:gridCol w="2505481">
-                  <a:extLst>
-                    <a:ext uri="{9D8B030D-6E8A-4147-A177-3AD203B41FA5}">
-                      <a16:colId xmlns:a16="http://schemas.microsoft.com/office/drawing/2014/main" val="3929946182"/>
-                    </a:ext>
-                  </a:extLst>
-                </a:gridCol>
-                <a:gridCol w="2387805">
-                  <a:extLst>
-                    <a:ext uri="{9D8B030D-6E8A-4147-A177-3AD203B41FA5}">
-                      <a16:colId xmlns:a16="http://schemas.microsoft.com/office/drawing/2014/main" val="1734130615"/>
-                    </a:ext>
-                  </a:extLst>
-                </a:gridCol>
-                <a:gridCol w="2860541">
-                  <a:extLst>
-                    <a:ext uri="{9D8B030D-6E8A-4147-A177-3AD203B41FA5}">
-                      <a16:colId xmlns:a16="http://schemas.microsoft.com/office/drawing/2014/main" val="335895932"/>
-                    </a:ext>
-                  </a:extLst>
-                </a:gridCol>
-              </a:tblGrid>
-              <a:tr h="564200">
-                <a:tc>
-                  <a:txBody>
-                    <a:bodyPr/>
-                    <a:lstStyle/>
-                    <a:p>
-                      <a:pPr algn="ctr"/>
-                      <a:r>
-                        <a:rPr lang="en-US" sz="2400">
-                          <a:effectLst/>
-                        </a:rPr>
-                        <a:t>Model</a:t>
-                      </a:r>
-                    </a:p>
-                  </a:txBody>
-                  <a:tcPr marL="169711" marR="169711" marT="78328" marB="78328" anchor="ctr"/>
-                </a:tc>
-                <a:tc>
-                  <a:txBody>
-                    <a:bodyPr/>
-                    <a:lstStyle/>
-                    <a:p>
-                      <a:pPr algn="ctr"/>
-                      <a:r>
-                        <a:rPr lang="en-US" sz="2400" dirty="0">
-                          <a:effectLst/>
-                        </a:rPr>
-                        <a:t>Train Score</a:t>
-                      </a:r>
-                    </a:p>
-                  </a:txBody>
-                  <a:tcPr marL="169711" marR="169711" marT="78328" marB="78328" anchor="ctr"/>
-                </a:tc>
-                <a:tc>
-                  <a:txBody>
-                    <a:bodyPr/>
-                    <a:lstStyle/>
-                    <a:p>
-                      <a:pPr algn="ctr"/>
-                      <a:r>
-                        <a:rPr lang="en-US" sz="2400">
-                          <a:effectLst/>
-                        </a:rPr>
-                        <a:t>Test Score</a:t>
-                      </a:r>
-                    </a:p>
-                  </a:txBody>
-                  <a:tcPr marL="169711" marR="169711" marT="78328" marB="78328" anchor="ctr"/>
-                </a:tc>
-                <a:tc>
-                  <a:txBody>
-                    <a:bodyPr/>
-                    <a:lstStyle/>
-                    <a:p>
-                      <a:pPr algn="ctr"/>
-                      <a:r>
-                        <a:rPr lang="en-US" sz="2400">
-                          <a:effectLst/>
-                        </a:rPr>
-                        <a:t>RMSE</a:t>
-                      </a:r>
-                    </a:p>
-                  </a:txBody>
-                  <a:tcPr marL="169711" marR="169711" marT="78328" marB="78328" anchor="ctr"/>
-                </a:tc>
-                <a:extLst>
-                  <a:ext uri="{0D108BD9-81ED-4DB2-BD59-A6C34878D82A}">
-                    <a16:rowId xmlns:a16="http://schemas.microsoft.com/office/drawing/2014/main" val="2406574584"/>
-                  </a:ext>
-                </a:extLst>
-              </a:tr>
-              <a:tr h="564200">
-                <a:tc>
-                  <a:txBody>
-                    <a:bodyPr/>
-                    <a:lstStyle/>
-                    <a:p>
-                      <a:pPr algn="ctr"/>
-                      <a:r>
-                        <a:rPr lang="en-US" sz="2400" dirty="0">
-                          <a:effectLst/>
-                        </a:rPr>
-                        <a:t>Linear Regression</a:t>
-                      </a:r>
-                    </a:p>
-                  </a:txBody>
-                  <a:tcPr marL="169711" marR="169711" marT="78328" marB="78328" anchor="ctr"/>
-                </a:tc>
-                <a:tc>
-                  <a:txBody>
-                    <a:bodyPr/>
-                    <a:lstStyle/>
-                    <a:p>
-                      <a:pPr algn="ctr"/>
-                      <a:r>
-                        <a:rPr lang="en-US" sz="2400">
-                          <a:effectLst/>
-                        </a:rPr>
-                        <a:t>0.90</a:t>
-                      </a:r>
-                    </a:p>
-                  </a:txBody>
-                  <a:tcPr marL="169711" marR="169711" marT="78328" marB="78328" anchor="ctr"/>
-                </a:tc>
-                <a:tc>
-                  <a:txBody>
-                    <a:bodyPr/>
-                    <a:lstStyle/>
-                    <a:p>
-                      <a:pPr algn="ctr"/>
-                      <a:r>
-                        <a:rPr lang="en-US" sz="2400" dirty="0">
-                          <a:effectLst/>
-                        </a:rPr>
-                        <a:t>0.88</a:t>
-                      </a:r>
-                    </a:p>
-                  </a:txBody>
-                  <a:tcPr marL="169711" marR="169711" marT="78328" marB="78328" anchor="ctr"/>
-                </a:tc>
-                <a:tc>
-                  <a:txBody>
-                    <a:bodyPr/>
-                    <a:lstStyle/>
-                    <a:p>
-                      <a:pPr algn="ctr"/>
-                      <a:r>
-                        <a:rPr lang="en-US" sz="2400" dirty="0">
-                          <a:effectLst/>
-                        </a:rPr>
-                        <a:t>26661</a:t>
-                      </a:r>
-                    </a:p>
-                  </a:txBody>
-                  <a:tcPr marL="169711" marR="169711" marT="78328" marB="78328" anchor="ctr"/>
-                </a:tc>
-                <a:extLst>
-                  <a:ext uri="{0D108BD9-81ED-4DB2-BD59-A6C34878D82A}">
-                    <a16:rowId xmlns:a16="http://schemas.microsoft.com/office/drawing/2014/main" val="1698895410"/>
-                  </a:ext>
-                </a:extLst>
-              </a:tr>
-              <a:tr h="564200">
-                <a:tc>
-                  <a:txBody>
-                    <a:bodyPr/>
-                    <a:lstStyle/>
-                    <a:p>
-                      <a:pPr algn="ctr"/>
-                      <a:r>
-                        <a:rPr lang="en-US" sz="2400" dirty="0">
-                          <a:effectLst/>
-                        </a:rPr>
-                        <a:t>RidgeCV Regression</a:t>
-                      </a:r>
-                    </a:p>
-                  </a:txBody>
-                  <a:tcPr marL="169711" marR="169711" marT="78328" marB="78328" anchor="ctr"/>
-                </a:tc>
-                <a:tc>
-                  <a:txBody>
-                    <a:bodyPr/>
-                    <a:lstStyle/>
-                    <a:p>
-                      <a:pPr algn="ctr"/>
-                      <a:r>
-                        <a:rPr lang="en-US" sz="2400" dirty="0">
-                          <a:effectLst/>
-                        </a:rPr>
-                        <a:t>0.89</a:t>
-                      </a:r>
-                    </a:p>
-                  </a:txBody>
-                  <a:tcPr marL="169711" marR="169711" marT="78328" marB="78328" anchor="ctr"/>
-                </a:tc>
-                <a:tc>
-                  <a:txBody>
-                    <a:bodyPr/>
-                    <a:lstStyle/>
-                    <a:p>
-                      <a:pPr algn="ctr"/>
-                      <a:r>
-                        <a:rPr lang="en-US" sz="2400" dirty="0">
-                          <a:effectLst/>
-                        </a:rPr>
-                        <a:t>0.88</a:t>
-                      </a:r>
-                    </a:p>
-                  </a:txBody>
-                  <a:tcPr marL="169711" marR="169711" marT="78328" marB="78328" anchor="ctr"/>
-                </a:tc>
-                <a:tc>
-                  <a:txBody>
-                    <a:bodyPr/>
-                    <a:lstStyle/>
-                    <a:p>
-                      <a:pPr algn="ctr"/>
-                      <a:r>
-                        <a:rPr lang="en-US" sz="2400" dirty="0">
-                          <a:effectLst/>
-                        </a:rPr>
-                        <a:t>26156</a:t>
-                      </a:r>
-                    </a:p>
-                  </a:txBody>
-                  <a:tcPr marL="169711" marR="169711" marT="78328" marB="78328" anchor="ctr"/>
-                </a:tc>
-                <a:extLst>
-                  <a:ext uri="{0D108BD9-81ED-4DB2-BD59-A6C34878D82A}">
-                    <a16:rowId xmlns:a16="http://schemas.microsoft.com/office/drawing/2014/main" val="3573674081"/>
-                  </a:ext>
-                </a:extLst>
-              </a:tr>
-              <a:tr h="564200">
-                <a:tc>
-                  <a:txBody>
-                    <a:bodyPr/>
-                    <a:lstStyle/>
-                    <a:p>
-                      <a:pPr algn="ctr"/>
-                      <a:r>
-                        <a:rPr lang="en-US" sz="2400" dirty="0">
-                          <a:effectLst/>
-                        </a:rPr>
-                        <a:t>LassoCV Regression</a:t>
-                      </a:r>
-                    </a:p>
-                  </a:txBody>
-                  <a:tcPr marL="169711" marR="169711" marT="78328" marB="78328" anchor="ctr"/>
-                </a:tc>
-                <a:tc>
-                  <a:txBody>
-                    <a:bodyPr/>
-                    <a:lstStyle/>
-                    <a:p>
-                      <a:pPr algn="ctr"/>
-                      <a:r>
-                        <a:rPr lang="en-US" sz="2400">
-                          <a:effectLst/>
-                        </a:rPr>
-                        <a:t>0.89</a:t>
-                      </a:r>
-                    </a:p>
-                  </a:txBody>
-                  <a:tcPr marL="169711" marR="169711" marT="78328" marB="78328" anchor="ctr"/>
-                </a:tc>
-                <a:tc>
-                  <a:txBody>
-                    <a:bodyPr/>
-                    <a:lstStyle/>
-                    <a:p>
-                      <a:pPr algn="ctr"/>
-                      <a:r>
-                        <a:rPr lang="en-US" sz="2400">
-                          <a:effectLst/>
-                        </a:rPr>
-                        <a:t>0.88</a:t>
-                      </a:r>
-                    </a:p>
-                  </a:txBody>
-                  <a:tcPr marL="169711" marR="169711" marT="78328" marB="78328" anchor="ctr"/>
-                </a:tc>
-                <a:tc>
-                  <a:txBody>
-                    <a:bodyPr/>
-                    <a:lstStyle/>
-                    <a:p>
-                      <a:pPr algn="ctr"/>
-                      <a:r>
-                        <a:rPr lang="en-US" sz="2400" dirty="0">
-                          <a:effectLst/>
-                        </a:rPr>
-                        <a:t>26109</a:t>
-                      </a:r>
-                    </a:p>
-                  </a:txBody>
-                  <a:tcPr marL="169711" marR="169711" marT="78328" marB="78328" anchor="ctr"/>
-                </a:tc>
-                <a:extLst>
-                  <a:ext uri="{0D108BD9-81ED-4DB2-BD59-A6C34878D82A}">
-                    <a16:rowId xmlns:a16="http://schemas.microsoft.com/office/drawing/2014/main" val="340398194"/>
-                  </a:ext>
-                </a:extLst>
-              </a:tr>
-            </a:tbl>
-          </a:graphicData>
-        </a:graphic>
-      </p:graphicFrame>
-      <p:sp>
-        <p:nvSpPr>
-          <p:cNvPr id="5" name="TextBox 4">
-            <a:extLst>
-              <a:ext uri="{FF2B5EF4-FFF2-40B4-BE49-F238E27FC236}">
-                <a16:creationId xmlns:a16="http://schemas.microsoft.com/office/drawing/2014/main" id="{8F176A1B-1D03-C540-8DB8-91F799877AEF}"/>
-              </a:ext>
-            </a:extLst>
-          </p:cNvPr>
-          <p:cNvSpPr txBox="1"/>
-          <p:nvPr/>
-        </p:nvSpPr>
-        <p:spPr>
-          <a:xfrm>
-            <a:off x="4304582" y="1199071"/>
-            <a:ext cx="6443932" cy="369332"/>
-          </a:xfrm>
-          <a:prstGeom prst="rect">
-            <a:avLst/>
-          </a:prstGeom>
-          <a:noFill/>
-        </p:spPr>
-        <p:txBody>
-          <a:bodyPr wrap="square" rtlCol="0">
-            <a:spAutoFit/>
-          </a:bodyPr>
-          <a:lstStyle/>
-          <a:p>
-            <a:r>
-              <a:rPr lang="en-US" b="1" u="sng" dirty="0"/>
-              <a:t>Evaluating the Models</a:t>
-            </a:r>
-          </a:p>
-        </p:txBody>
-      </p:sp>
-      <p:sp>
-        <p:nvSpPr>
-          <p:cNvPr id="6" name="TextBox 5">
-            <a:extLst>
-              <a:ext uri="{FF2B5EF4-FFF2-40B4-BE49-F238E27FC236}">
-                <a16:creationId xmlns:a16="http://schemas.microsoft.com/office/drawing/2014/main" id="{E5632CF2-4A7C-AE41-840B-737F667751CB}"/>
-              </a:ext>
-            </a:extLst>
-          </p:cNvPr>
-          <p:cNvSpPr txBox="1"/>
-          <p:nvPr/>
-        </p:nvSpPr>
-        <p:spPr>
-          <a:xfrm>
-            <a:off x="5719312" y="4468483"/>
-            <a:ext cx="6409427" cy="923330"/>
-          </a:xfrm>
-          <a:prstGeom prst="rect">
-            <a:avLst/>
-          </a:prstGeom>
-          <a:noFill/>
-        </p:spPr>
-        <p:txBody>
-          <a:bodyPr wrap="square" rtlCol="0">
-            <a:spAutoFit/>
-          </a:bodyPr>
-          <a:lstStyle/>
-          <a:p>
-            <a:r>
-              <a:rPr lang="en-US" dirty="0"/>
-              <a:t>Based on RMSE , best fit model is LassoCV.</a:t>
-            </a:r>
-          </a:p>
-          <a:p>
-            <a:endParaRPr lang="en-US" dirty="0"/>
-          </a:p>
-          <a:p>
-            <a:endParaRPr lang="en-US" dirty="0"/>
-          </a:p>
-        </p:txBody>
-      </p:sp>
-    </p:spTree>
-    <p:extLst>
-      <p:ext uri="{BB962C8B-B14F-4D97-AF65-F5344CB8AC3E}">
-        <p14:creationId xmlns:p14="http://schemas.microsoft.com/office/powerpoint/2010/main" val="2336242588"/>
-      </p:ext>
-    </p:extLst>
-  </p:cSld>
-  <p:clrMapOvr>
-    <a:masterClrMapping/>
-  </p:clrMapOvr>
-</p:sld>
-</file>
-
-<file path=ppt/slides/slide11.xml><?xml version="1.0" encoding="utf-8"?>
-<p:sld xmlns:a="http://schemas.openxmlformats.org/drawingml/2006/main" xmlns:r="http://schemas.openxmlformats.org/officeDocument/2006/relationships" xmlns:p="http://schemas.openxmlformats.org/presentationml/2006/main">
-  <p:cSld>
-    <p:spTree>
-      <p:nvGrpSpPr>
-        <p:cNvPr id="1" name=""/>
-        <p:cNvGrpSpPr/>
-        <p:nvPr/>
-      </p:nvGrpSpPr>
-      <p:grpSpPr>
-        <a:xfrm>
-          <a:off x="0" y="0"/>
-          <a:ext cx="0" cy="0"/>
-          <a:chOff x="0" y="0"/>
-          <a:chExt cx="0" cy="0"/>
-        </a:xfrm>
-      </p:grpSpPr>
       <p:sp>
         <p:nvSpPr>
           <p:cNvPr id="4" name="TextBox 3">
@@ -24152,7 +23613,7 @@
 </p:sld>
 </file>
 
-<file path=ppt/slides/slide12.xml><?xml version="1.0" encoding="utf-8"?>
+<file path=ppt/slides/slide11.xml><?xml version="1.0" encoding="utf-8"?>
 <p:sld xmlns:a="http://schemas.openxmlformats.org/drawingml/2006/main" xmlns:r="http://schemas.openxmlformats.org/officeDocument/2006/relationships" xmlns:p="http://schemas.openxmlformats.org/presentationml/2006/main">
   <p:cSld>
     <p:spTree>
@@ -24184,7 +23645,7 @@
         <p:spPr>
           <a:xfrm>
             <a:off x="921156" y="1295176"/>
-            <a:ext cx="4982308" cy="1661993"/>
+            <a:ext cx="4982308" cy="921534"/>
           </a:xfrm>
           <a:prstGeom prst="rect">
             <a:avLst/>
@@ -24216,11 +23677,8 @@
             </a:pPr>
             <a:r>
               <a:rPr lang="en-US" dirty="0"/>
-              <a:t>RMSE yields an error of  ~±$26109 for average sale priced house($181411)</a:t>
+              <a:t>RMSE yields an error of  ~±$26109</a:t>
             </a:r>
-          </a:p>
-          <a:p>
-            <a:pPr algn="ctr"/>
             <a:endParaRPr lang="en-US" u="sng" dirty="0"/>
           </a:p>
         </p:txBody>
@@ -24498,7 +23956,7 @@
 </p:sld>
 </file>
 
-<file path=ppt/slides/slide13.xml><?xml version="1.0" encoding="utf-8"?>
+<file path=ppt/slides/slide12.xml><?xml version="1.0" encoding="utf-8"?>
 <p:sld xmlns:a="http://schemas.openxmlformats.org/drawingml/2006/main" xmlns:r="http://schemas.openxmlformats.org/officeDocument/2006/relationships" xmlns:p="http://schemas.openxmlformats.org/presentationml/2006/main">
   <p:cSld>
     <p:spTree>
@@ -24892,7 +24350,7 @@
             <p:ph idx="1"/>
             <p:extLst>
               <p:ext uri="{D42A27DB-BD31-4B8C-83A1-F6EECF244321}">
-                <p14:modId xmlns:p14="http://schemas.microsoft.com/office/powerpoint/2010/main" val="30274713"/>
+                <p14:modId xmlns:p14="http://schemas.microsoft.com/office/powerpoint/2010/main" val="3799852987"/>
               </p:ext>
             </p:extLst>
           </p:nvPr>
@@ -25236,378 +24694,6 @@
 </file>
 
 <file path=ppt/slides/slide6.xml><?xml version="1.0" encoding="utf-8"?>
-<p:sld xmlns:a="http://schemas.openxmlformats.org/drawingml/2006/main" xmlns:r="http://schemas.openxmlformats.org/officeDocument/2006/relationships" xmlns:p="http://schemas.openxmlformats.org/presentationml/2006/main">
-  <p:cSld>
-    <p:bg>
-      <p:bgPr>
-        <a:solidFill>
-          <a:schemeClr val="bg2"/>
-        </a:solidFill>
-        <a:effectLst/>
-      </p:bgPr>
-    </p:bg>
-    <p:spTree>
-      <p:nvGrpSpPr>
-        <p:cNvPr id="1" name=""/>
-        <p:cNvGrpSpPr/>
-        <p:nvPr/>
-      </p:nvGrpSpPr>
-      <p:grpSpPr>
-        <a:xfrm>
-          <a:off x="0" y="0"/>
-          <a:ext cx="0" cy="0"/>
-          <a:chOff x="0" y="0"/>
-          <a:chExt cx="0" cy="0"/>
-        </a:xfrm>
-      </p:grpSpPr>
-      <p:sp>
-        <p:nvSpPr>
-          <p:cNvPr id="79" name="Rectangle 78">
-            <a:extLst>
-              <a:ext uri="{FF2B5EF4-FFF2-40B4-BE49-F238E27FC236}">
-                <a16:creationId xmlns:a16="http://schemas.microsoft.com/office/drawing/2014/main" id="{1BB56EB9-078F-4952-AC1F-149C7A0AE4D5}"/>
-              </a:ext>
-              <a:ext uri="{C183D7F6-B498-43B3-948B-1728B52AA6E4}">
-                <adec:decorative xmlns:adec="http://schemas.microsoft.com/office/drawing/2017/decorative" val="1"/>
-              </a:ext>
-            </a:extLst>
-          </p:cNvPr>
-          <p:cNvSpPr>
-            <a:spLocks noGrp="1" noRot="1" noChangeAspect="1" noMove="1" noResize="1" noEditPoints="1" noAdjustHandles="1" noChangeArrowheads="1" noChangeShapeType="1" noTextEdit="1"/>
-          </p:cNvSpPr>
-          <p:nvPr>
-            <p:extLst>
-              <p:ext uri="{386F3935-93C4-4BCD-93E2-E3B085C9AB24}">
-                <p16:designElem xmlns:p16="http://schemas.microsoft.com/office/powerpoint/2015/main" val="1"/>
-              </p:ext>
-            </p:extLst>
-          </p:nvPr>
-        </p:nvSpPr>
-        <p:spPr>
-          <a:xfrm>
-            <a:off x="0" y="0"/>
-            <a:ext cx="12192000" cy="6858000"/>
-          </a:xfrm>
-          <a:prstGeom prst="rect">
-            <a:avLst/>
-          </a:prstGeom>
-          <a:solidFill>
-            <a:schemeClr val="tx1"/>
-          </a:solidFill>
-          <a:ln>
-            <a:noFill/>
-          </a:ln>
-        </p:spPr>
-        <p:style>
-          <a:lnRef idx="2">
-            <a:schemeClr val="accent1">
-              <a:shade val="50000"/>
-            </a:schemeClr>
-          </a:lnRef>
-          <a:fillRef idx="1">
-            <a:schemeClr val="accent1"/>
-          </a:fillRef>
-          <a:effectRef idx="0">
-            <a:schemeClr val="accent1"/>
-          </a:effectRef>
-          <a:fontRef idx="minor">
-            <a:schemeClr val="lt1"/>
-          </a:fontRef>
-        </p:style>
-        <p:txBody>
-          <a:bodyPr rtlCol="0" anchor="ctr"/>
-          <a:lstStyle/>
-          <a:p>
-            <a:pPr algn="ctr"/>
-            <a:endParaRPr lang="en-US"/>
-          </a:p>
-        </p:txBody>
-      </p:sp>
-      <p:sp>
-        <p:nvSpPr>
-          <p:cNvPr id="81" name="Rectangle 80">
-            <a:extLst>
-              <a:ext uri="{FF2B5EF4-FFF2-40B4-BE49-F238E27FC236}">
-                <a16:creationId xmlns:a16="http://schemas.microsoft.com/office/drawing/2014/main" id="{10058680-D07C-4893-B2B7-91543F18AB32}"/>
-              </a:ext>
-              <a:ext uri="{C183D7F6-B498-43B3-948B-1728B52AA6E4}">
-                <adec:decorative xmlns:adec="http://schemas.microsoft.com/office/drawing/2017/decorative" val="1"/>
-              </a:ext>
-            </a:extLst>
-          </p:cNvPr>
-          <p:cNvSpPr>
-            <a:spLocks noGrp="1" noRot="1" noChangeAspect="1" noMove="1" noResize="1" noEditPoints="1" noAdjustHandles="1" noChangeArrowheads="1" noChangeShapeType="1" noTextEdit="1"/>
-          </p:cNvSpPr>
-          <p:nvPr>
-            <p:extLst>
-              <p:ext uri="{386F3935-93C4-4BCD-93E2-E3B085C9AB24}">
-                <p16:designElem xmlns:p16="http://schemas.microsoft.com/office/powerpoint/2015/main" val="1"/>
-              </p:ext>
-            </p:extLst>
-          </p:nvPr>
-        </p:nvSpPr>
-        <p:spPr>
-          <a:xfrm>
-            <a:off x="446534" y="457200"/>
-            <a:ext cx="3703320" cy="94997"/>
-          </a:xfrm>
-          <a:prstGeom prst="rect">
-            <a:avLst/>
-          </a:prstGeom>
-          <a:solidFill>
-            <a:srgbClr val="465359"/>
-          </a:solidFill>
-          <a:ln>
-            <a:noFill/>
-          </a:ln>
-          <a:effectLst/>
-        </p:spPr>
-        <p:style>
-          <a:lnRef idx="1">
-            <a:schemeClr val="accent1"/>
-          </a:lnRef>
-          <a:fillRef idx="3">
-            <a:schemeClr val="accent1"/>
-          </a:fillRef>
-          <a:effectRef idx="2">
-            <a:schemeClr val="accent1"/>
-          </a:effectRef>
-          <a:fontRef idx="minor">
-            <a:schemeClr val="lt1"/>
-          </a:fontRef>
-        </p:style>
-      </p:sp>
-      <p:sp>
-        <p:nvSpPr>
-          <p:cNvPr id="83" name="Rectangle 82">
-            <a:extLst>
-              <a:ext uri="{FF2B5EF4-FFF2-40B4-BE49-F238E27FC236}">
-                <a16:creationId xmlns:a16="http://schemas.microsoft.com/office/drawing/2014/main" id="{7B42427A-0A1F-4A55-8705-D9179F1E0CFB}"/>
-              </a:ext>
-              <a:ext uri="{C183D7F6-B498-43B3-948B-1728B52AA6E4}">
-                <adec:decorative xmlns:adec="http://schemas.microsoft.com/office/drawing/2017/decorative" val="1"/>
-              </a:ext>
-            </a:extLst>
-          </p:cNvPr>
-          <p:cNvSpPr>
-            <a:spLocks noGrp="1" noRot="1" noChangeAspect="1" noMove="1" noResize="1" noEditPoints="1" noAdjustHandles="1" noChangeArrowheads="1" noChangeShapeType="1" noTextEdit="1"/>
-          </p:cNvSpPr>
-          <p:nvPr>
-            <p:extLst>
-              <p:ext uri="{386F3935-93C4-4BCD-93E2-E3B085C9AB24}">
-                <p16:designElem xmlns:p16="http://schemas.microsoft.com/office/powerpoint/2015/main" val="1"/>
-              </p:ext>
-            </p:extLst>
-          </p:nvPr>
-        </p:nvSpPr>
-        <p:spPr>
-          <a:xfrm>
-            <a:off x="4241830" y="457200"/>
-            <a:ext cx="3703320" cy="91440"/>
-          </a:xfrm>
-          <a:prstGeom prst="rect">
-            <a:avLst/>
-          </a:prstGeom>
-          <a:solidFill>
-            <a:schemeClr val="accent1"/>
-          </a:solidFill>
-          <a:ln>
-            <a:noFill/>
-          </a:ln>
-          <a:effectLst/>
-        </p:spPr>
-        <p:style>
-          <a:lnRef idx="1">
-            <a:schemeClr val="accent1"/>
-          </a:lnRef>
-          <a:fillRef idx="3">
-            <a:schemeClr val="accent1"/>
-          </a:fillRef>
-          <a:effectRef idx="2">
-            <a:schemeClr val="accent1"/>
-          </a:effectRef>
-          <a:fontRef idx="minor">
-            <a:schemeClr val="lt1"/>
-          </a:fontRef>
-        </p:style>
-        <p:txBody>
-          <a:bodyPr/>
-          <a:lstStyle/>
-          <a:p>
-            <a:endParaRPr lang="en-US" dirty="0"/>
-          </a:p>
-        </p:txBody>
-      </p:sp>
-      <p:sp>
-        <p:nvSpPr>
-          <p:cNvPr id="85" name="Rectangle 84">
-            <a:extLst>
-              <a:ext uri="{FF2B5EF4-FFF2-40B4-BE49-F238E27FC236}">
-                <a16:creationId xmlns:a16="http://schemas.microsoft.com/office/drawing/2014/main" id="{EE54A6FE-D8CB-48A3-900B-053D4EBD3B85}"/>
-              </a:ext>
-              <a:ext uri="{C183D7F6-B498-43B3-948B-1728B52AA6E4}">
-                <adec:decorative xmlns:adec="http://schemas.microsoft.com/office/drawing/2017/decorative" val="1"/>
-              </a:ext>
-            </a:extLst>
-          </p:cNvPr>
-          <p:cNvSpPr>
-            <a:spLocks noGrp="1" noRot="1" noChangeAspect="1" noMove="1" noResize="1" noEditPoints="1" noAdjustHandles="1" noChangeArrowheads="1" noChangeShapeType="1" noTextEdit="1"/>
-          </p:cNvSpPr>
-          <p:nvPr>
-            <p:extLst>
-              <p:ext uri="{386F3935-93C4-4BCD-93E2-E3B085C9AB24}">
-                <p16:designElem xmlns:p16="http://schemas.microsoft.com/office/powerpoint/2015/main" val="1"/>
-              </p:ext>
-            </p:extLst>
-          </p:nvPr>
-        </p:nvSpPr>
-        <p:spPr>
-          <a:xfrm>
-            <a:off x="8042147" y="453643"/>
-            <a:ext cx="3703320" cy="98554"/>
-          </a:xfrm>
-          <a:prstGeom prst="rect">
-            <a:avLst/>
-          </a:prstGeom>
-          <a:solidFill>
-            <a:srgbClr val="969FA7"/>
-          </a:solidFill>
-          <a:ln>
-            <a:noFill/>
-          </a:ln>
-          <a:effectLst/>
-        </p:spPr>
-        <p:style>
-          <a:lnRef idx="1">
-            <a:schemeClr val="accent1"/>
-          </a:lnRef>
-          <a:fillRef idx="3">
-            <a:schemeClr val="accent1"/>
-          </a:fillRef>
-          <a:effectRef idx="2">
-            <a:schemeClr val="accent1"/>
-          </a:effectRef>
-          <a:fontRef idx="minor">
-            <a:schemeClr val="lt1"/>
-          </a:fontRef>
-        </p:style>
-      </p:sp>
-      <p:sp>
-        <p:nvSpPr>
-          <p:cNvPr id="5" name="Content Placeholder 4">
-            <a:extLst>
-              <a:ext uri="{FF2B5EF4-FFF2-40B4-BE49-F238E27FC236}">
-                <a16:creationId xmlns:a16="http://schemas.microsoft.com/office/drawing/2014/main" id="{7FC045A2-9D3A-A243-ADCB-678FA878AC5B}"/>
-              </a:ext>
-            </a:extLst>
-          </p:cNvPr>
-          <p:cNvSpPr>
-            <a:spLocks noGrp="1"/>
-          </p:cNvSpPr>
-          <p:nvPr>
-            <p:ph idx="1"/>
-          </p:nvPr>
-        </p:nvSpPr>
-        <p:spPr>
-          <a:xfrm>
-            <a:off x="671513" y="2536031"/>
-            <a:ext cx="3123783" cy="3671936"/>
-          </a:xfrm>
-        </p:spPr>
-        <p:txBody>
-          <a:bodyPr vert="horz" lIns="91440" tIns="45720" rIns="91440" bIns="45720" rtlCol="0" anchor="t">
-            <a:normAutofit/>
-          </a:bodyPr>
-          <a:lstStyle/>
-          <a:p>
-            <a:pPr marL="285750" indent="-285750"/>
-            <a:r>
-              <a:rPr lang="en-US">
-                <a:solidFill>
-                  <a:schemeClr val="bg1">
-                    <a:lumMod val="75000"/>
-                    <a:lumOff val="25000"/>
-                  </a:schemeClr>
-                </a:solidFill>
-              </a:rPr>
-              <a:t>Right skewed distribution</a:t>
-            </a:r>
-          </a:p>
-          <a:p>
-            <a:pPr marL="285750" indent="-285750"/>
-            <a:r>
-              <a:rPr lang="en-US">
-                <a:solidFill>
-                  <a:schemeClr val="bg1">
-                    <a:lumMod val="75000"/>
-                    <a:lumOff val="25000"/>
-                  </a:schemeClr>
-                </a:solidFill>
-              </a:rPr>
-              <a:t>Outliers beyond 500000</a:t>
-            </a:r>
-          </a:p>
-        </p:txBody>
-      </p:sp>
-      <p:pic>
-        <p:nvPicPr>
-          <p:cNvPr id="7174" name="Picture 6">
-            <a:extLst>
-              <a:ext uri="{FF2B5EF4-FFF2-40B4-BE49-F238E27FC236}">
-                <a16:creationId xmlns:a16="http://schemas.microsoft.com/office/drawing/2014/main" id="{1F1891B6-054E-BB43-B417-848A9451F2B8}"/>
-              </a:ext>
-            </a:extLst>
-          </p:cNvPr>
-          <p:cNvPicPr>
-            <a:picLocks noChangeAspect="1" noChangeArrowheads="1"/>
-          </p:cNvPicPr>
-          <p:nvPr/>
-        </p:nvPicPr>
-        <p:blipFill rotWithShape="1">
-          <a:blip r:embed="rId3">
-            <a:extLst>
-              <a:ext uri="{28A0092B-C50C-407E-A947-70E740481C1C}">
-                <a14:useLocalDpi xmlns:a14="http://schemas.microsoft.com/office/drawing/2010/main" val="0"/>
-              </a:ext>
-            </a:extLst>
-          </a:blip>
-          <a:srcRect r="11190" b="-3"/>
-          <a:stretch/>
-        </p:blipFill>
-        <p:spPr bwMode="auto">
-          <a:xfrm>
-            <a:off x="4241830" y="601200"/>
-            <a:ext cx="7503636" cy="5789365"/>
-          </a:xfrm>
-          <a:prstGeom prst="rect">
-            <a:avLst/>
-          </a:prstGeom>
-          <a:noFill/>
-          <a:extLst>
-            <a:ext uri="{909E8E84-426E-40DD-AFC4-6F175D3DCCD1}">
-              <a14:hiddenFill xmlns:a14="http://schemas.microsoft.com/office/drawing/2010/main">
-                <a:solidFill>
-                  <a:srgbClr val="FFFFFF"/>
-                </a:solidFill>
-              </a14:hiddenFill>
-            </a:ext>
-          </a:extLst>
-        </p:spPr>
-      </p:pic>
-    </p:spTree>
-    <p:extLst>
-      <p:ext uri="{BB962C8B-B14F-4D97-AF65-F5344CB8AC3E}">
-        <p14:creationId xmlns:p14="http://schemas.microsoft.com/office/powerpoint/2010/main" val="1622312462"/>
-      </p:ext>
-    </p:extLst>
-  </p:cSld>
-  <p:clrMapOvr>
-    <a:overrideClrMapping bg1="dk1" tx1="lt1" bg2="dk2" tx2="lt2" accent1="accent1" accent2="accent2" accent3="accent3" accent4="accent4" accent5="accent5" accent6="accent6" hlink="hlink" folHlink="folHlink"/>
-  </p:clrMapOvr>
-</p:sld>
-</file>
-
-<file path=ppt/slides/slide7.xml><?xml version="1.0" encoding="utf-8"?>
 <p:sld xmlns:a="http://schemas.openxmlformats.org/drawingml/2006/main" xmlns:r="http://schemas.openxmlformats.org/officeDocument/2006/relationships" xmlns:p="http://schemas.openxmlformats.org/presentationml/2006/main">
   <p:cSld>
     <p:bg>
@@ -26450,7 +25536,7 @@
 </p:sld>
 </file>
 
-<file path=ppt/slides/slide8.xml><?xml version="1.0" encoding="utf-8"?>
+<file path=ppt/slides/slide7.xml><?xml version="1.0" encoding="utf-8"?>
 <p:sld xmlns:a="http://schemas.openxmlformats.org/drawingml/2006/main" xmlns:r="http://schemas.openxmlformats.org/officeDocument/2006/relationships" xmlns:p="http://schemas.openxmlformats.org/presentationml/2006/main">
   <p:cSld>
     <p:spTree>
@@ -26691,7 +25777,7 @@
 </p:sld>
 </file>
 
-<file path=ppt/slides/slide9.xml><?xml version="1.0" encoding="utf-8"?>
+<file path=ppt/slides/slide8.xml><?xml version="1.0" encoding="utf-8"?>
 <p:sld xmlns:a="http://schemas.openxmlformats.org/drawingml/2006/main" xmlns:r="http://schemas.openxmlformats.org/officeDocument/2006/relationships" xmlns:p="http://schemas.openxmlformats.org/presentationml/2006/main">
   <p:cSld>
     <p:spTree>
@@ -26775,6 +25861,460 @@
     <p:extLst>
       <p:ext uri="{BB962C8B-B14F-4D97-AF65-F5344CB8AC3E}">
         <p14:creationId xmlns:p14="http://schemas.microsoft.com/office/powerpoint/2010/main" val="518256787"/>
+      </p:ext>
+    </p:extLst>
+  </p:cSld>
+  <p:clrMapOvr>
+    <a:masterClrMapping/>
+  </p:clrMapOvr>
+</p:sld>
+</file>
+
+<file path=ppt/slides/slide9.xml><?xml version="1.0" encoding="utf-8"?>
+<p:sld xmlns:a="http://schemas.openxmlformats.org/drawingml/2006/main" xmlns:r="http://schemas.openxmlformats.org/officeDocument/2006/relationships" xmlns:p="http://schemas.openxmlformats.org/presentationml/2006/main">
+  <p:cSld>
+    <p:spTree>
+      <p:nvGrpSpPr>
+        <p:cNvPr id="1" name=""/>
+        <p:cNvGrpSpPr/>
+        <p:nvPr/>
+      </p:nvGrpSpPr>
+      <p:grpSpPr>
+        <a:xfrm>
+          <a:off x="0" y="0"/>
+          <a:ext cx="0" cy="0"/>
+          <a:chOff x="0" y="0"/>
+          <a:chExt cx="0" cy="0"/>
+        </a:xfrm>
+      </p:grpSpPr>
+      <p:graphicFrame>
+        <p:nvGraphicFramePr>
+          <p:cNvPr id="4" name="Table 3">
+            <a:extLst>
+              <a:ext uri="{FF2B5EF4-FFF2-40B4-BE49-F238E27FC236}">
+                <a16:creationId xmlns:a16="http://schemas.microsoft.com/office/drawing/2014/main" id="{739E082D-69F5-B94D-8178-1C8F870D0D4E}"/>
+              </a:ext>
+            </a:extLst>
+          </p:cNvPr>
+          <p:cNvGraphicFramePr>
+            <a:graphicFrameLocks noGrp="1"/>
+          </p:cNvGraphicFramePr>
+          <p:nvPr>
+            <p:extLst>
+              <p:ext uri="{D42A27DB-BD31-4B8C-83A1-F6EECF244321}">
+                <p14:modId xmlns:p14="http://schemas.microsoft.com/office/powerpoint/2010/main" val="1464939953"/>
+              </p:ext>
+            </p:extLst>
+          </p:nvPr>
+        </p:nvGraphicFramePr>
+        <p:xfrm>
+          <a:off x="445007" y="1969569"/>
+          <a:ext cx="11301985" cy="2256800"/>
+        </p:xfrm>
+        <a:graphic>
+          <a:graphicData uri="http://schemas.openxmlformats.org/drawingml/2006/table">
+            <a:tbl>
+              <a:tblPr firstRow="1" bandRow="1">
+                <a:tableStyleId>{5C22544A-7EE6-4342-B048-85BDC9FD1C3A}</a:tableStyleId>
+              </a:tblPr>
+              <a:tblGrid>
+                <a:gridCol w="3548158">
+                  <a:extLst>
+                    <a:ext uri="{9D8B030D-6E8A-4147-A177-3AD203B41FA5}">
+                      <a16:colId xmlns:a16="http://schemas.microsoft.com/office/drawing/2014/main" val="4000194972"/>
+                    </a:ext>
+                  </a:extLst>
+                </a:gridCol>
+                <a:gridCol w="2505481">
+                  <a:extLst>
+                    <a:ext uri="{9D8B030D-6E8A-4147-A177-3AD203B41FA5}">
+                      <a16:colId xmlns:a16="http://schemas.microsoft.com/office/drawing/2014/main" val="3929946182"/>
+                    </a:ext>
+                  </a:extLst>
+                </a:gridCol>
+                <a:gridCol w="2387805">
+                  <a:extLst>
+                    <a:ext uri="{9D8B030D-6E8A-4147-A177-3AD203B41FA5}">
+                      <a16:colId xmlns:a16="http://schemas.microsoft.com/office/drawing/2014/main" val="1734130615"/>
+                    </a:ext>
+                  </a:extLst>
+                </a:gridCol>
+                <a:gridCol w="2860541">
+                  <a:extLst>
+                    <a:ext uri="{9D8B030D-6E8A-4147-A177-3AD203B41FA5}">
+                      <a16:colId xmlns:a16="http://schemas.microsoft.com/office/drawing/2014/main" val="335895932"/>
+                    </a:ext>
+                  </a:extLst>
+                </a:gridCol>
+              </a:tblGrid>
+              <a:tr h="564200">
+                <a:tc>
+                  <a:txBody>
+                    <a:bodyPr/>
+                    <a:lstStyle/>
+                    <a:p>
+                      <a:pPr algn="ctr"/>
+                      <a:r>
+                        <a:rPr lang="en-US" sz="2400">
+                          <a:effectLst/>
+                        </a:rPr>
+                        <a:t>Model</a:t>
+                      </a:r>
+                    </a:p>
+                  </a:txBody>
+                  <a:tcPr marL="169711" marR="169711" marT="78328" marB="78328" anchor="ctr"/>
+                </a:tc>
+                <a:tc>
+                  <a:txBody>
+                    <a:bodyPr/>
+                    <a:lstStyle/>
+                    <a:p>
+                      <a:pPr algn="ctr"/>
+                      <a:r>
+                        <a:rPr lang="en-US" sz="2400" dirty="0">
+                          <a:effectLst/>
+                        </a:rPr>
+                        <a:t>Train Score</a:t>
+                      </a:r>
+                    </a:p>
+                  </a:txBody>
+                  <a:tcPr marL="169711" marR="169711" marT="78328" marB="78328" anchor="ctr"/>
+                </a:tc>
+                <a:tc>
+                  <a:txBody>
+                    <a:bodyPr/>
+                    <a:lstStyle/>
+                    <a:p>
+                      <a:pPr algn="ctr"/>
+                      <a:r>
+                        <a:rPr lang="en-US" sz="2400">
+                          <a:effectLst/>
+                        </a:rPr>
+                        <a:t>Test Score</a:t>
+                      </a:r>
+                    </a:p>
+                  </a:txBody>
+                  <a:tcPr marL="169711" marR="169711" marT="78328" marB="78328" anchor="ctr"/>
+                </a:tc>
+                <a:tc>
+                  <a:txBody>
+                    <a:bodyPr/>
+                    <a:lstStyle/>
+                    <a:p>
+                      <a:pPr algn="ctr"/>
+                      <a:r>
+                        <a:rPr lang="en-US" sz="2400">
+                          <a:effectLst/>
+                        </a:rPr>
+                        <a:t>RMSE</a:t>
+                      </a:r>
+                    </a:p>
+                  </a:txBody>
+                  <a:tcPr marL="169711" marR="169711" marT="78328" marB="78328" anchor="ctr"/>
+                </a:tc>
+                <a:extLst>
+                  <a:ext uri="{0D108BD9-81ED-4DB2-BD59-A6C34878D82A}">
+                    <a16:rowId xmlns:a16="http://schemas.microsoft.com/office/drawing/2014/main" val="2406574584"/>
+                  </a:ext>
+                </a:extLst>
+              </a:tr>
+              <a:tr h="564200">
+                <a:tc>
+                  <a:txBody>
+                    <a:bodyPr/>
+                    <a:lstStyle/>
+                    <a:p>
+                      <a:pPr algn="ctr"/>
+                      <a:r>
+                        <a:rPr lang="en-US" sz="2400" dirty="0">
+                          <a:effectLst/>
+                        </a:rPr>
+                        <a:t>Linear Regression</a:t>
+                      </a:r>
+                    </a:p>
+                  </a:txBody>
+                  <a:tcPr marL="169711" marR="169711" marT="78328" marB="78328" anchor="ctr"/>
+                </a:tc>
+                <a:tc>
+                  <a:txBody>
+                    <a:bodyPr/>
+                    <a:lstStyle/>
+                    <a:p>
+                      <a:pPr algn="ctr"/>
+                      <a:r>
+                        <a:rPr lang="en-US" sz="2400">
+                          <a:effectLst/>
+                        </a:rPr>
+                        <a:t>0.90</a:t>
+                      </a:r>
+                    </a:p>
+                  </a:txBody>
+                  <a:tcPr marL="169711" marR="169711" marT="78328" marB="78328" anchor="ctr"/>
+                </a:tc>
+                <a:tc>
+                  <a:txBody>
+                    <a:bodyPr/>
+                    <a:lstStyle/>
+                    <a:p>
+                      <a:pPr algn="ctr"/>
+                      <a:r>
+                        <a:rPr lang="en-US" sz="2400" dirty="0">
+                          <a:effectLst/>
+                        </a:rPr>
+                        <a:t>0.88</a:t>
+                      </a:r>
+                    </a:p>
+                  </a:txBody>
+                  <a:tcPr marL="169711" marR="169711" marT="78328" marB="78328" anchor="ctr"/>
+                </a:tc>
+                <a:tc>
+                  <a:txBody>
+                    <a:bodyPr/>
+                    <a:lstStyle/>
+                    <a:p>
+                      <a:pPr algn="ctr"/>
+                      <a:r>
+                        <a:rPr lang="en-US" sz="2400" dirty="0">
+                          <a:effectLst/>
+                        </a:rPr>
+                        <a:t>26661</a:t>
+                      </a:r>
+                    </a:p>
+                  </a:txBody>
+                  <a:tcPr marL="169711" marR="169711" marT="78328" marB="78328" anchor="ctr"/>
+                </a:tc>
+                <a:extLst>
+                  <a:ext uri="{0D108BD9-81ED-4DB2-BD59-A6C34878D82A}">
+                    <a16:rowId xmlns:a16="http://schemas.microsoft.com/office/drawing/2014/main" val="1698895410"/>
+                  </a:ext>
+                </a:extLst>
+              </a:tr>
+              <a:tr h="564200">
+                <a:tc>
+                  <a:txBody>
+                    <a:bodyPr/>
+                    <a:lstStyle/>
+                    <a:p>
+                      <a:pPr algn="ctr"/>
+                      <a:r>
+                        <a:rPr lang="en-US" sz="2400" dirty="0">
+                          <a:effectLst/>
+                        </a:rPr>
+                        <a:t>RidgeCV Regression</a:t>
+                      </a:r>
+                    </a:p>
+                  </a:txBody>
+                  <a:tcPr marL="169711" marR="169711" marT="78328" marB="78328" anchor="ctr"/>
+                </a:tc>
+                <a:tc>
+                  <a:txBody>
+                    <a:bodyPr/>
+                    <a:lstStyle/>
+                    <a:p>
+                      <a:pPr algn="ctr"/>
+                      <a:r>
+                        <a:rPr lang="en-US" sz="2400" dirty="0">
+                          <a:effectLst/>
+                        </a:rPr>
+                        <a:t>0.89</a:t>
+                      </a:r>
+                    </a:p>
+                  </a:txBody>
+                  <a:tcPr marL="169711" marR="169711" marT="78328" marB="78328" anchor="ctr"/>
+                </a:tc>
+                <a:tc>
+                  <a:txBody>
+                    <a:bodyPr/>
+                    <a:lstStyle/>
+                    <a:p>
+                      <a:pPr algn="ctr"/>
+                      <a:r>
+                        <a:rPr lang="en-US" sz="2400" dirty="0">
+                          <a:effectLst/>
+                        </a:rPr>
+                        <a:t>0.88</a:t>
+                      </a:r>
+                    </a:p>
+                  </a:txBody>
+                  <a:tcPr marL="169711" marR="169711" marT="78328" marB="78328" anchor="ctr"/>
+                </a:tc>
+                <a:tc>
+                  <a:txBody>
+                    <a:bodyPr/>
+                    <a:lstStyle/>
+                    <a:p>
+                      <a:pPr algn="ctr"/>
+                      <a:r>
+                        <a:rPr lang="en-US" sz="2400" dirty="0">
+                          <a:effectLst/>
+                        </a:rPr>
+                        <a:t>26156</a:t>
+                      </a:r>
+                    </a:p>
+                  </a:txBody>
+                  <a:tcPr marL="169711" marR="169711" marT="78328" marB="78328" anchor="ctr"/>
+                </a:tc>
+                <a:extLst>
+                  <a:ext uri="{0D108BD9-81ED-4DB2-BD59-A6C34878D82A}">
+                    <a16:rowId xmlns:a16="http://schemas.microsoft.com/office/drawing/2014/main" val="3573674081"/>
+                  </a:ext>
+                </a:extLst>
+              </a:tr>
+              <a:tr h="564200">
+                <a:tc>
+                  <a:txBody>
+                    <a:bodyPr/>
+                    <a:lstStyle/>
+                    <a:p>
+                      <a:pPr algn="ctr"/>
+                      <a:r>
+                        <a:rPr lang="en-US" sz="2400" dirty="0">
+                          <a:effectLst/>
+                        </a:rPr>
+                        <a:t>LassoCV Regression</a:t>
+                      </a:r>
+                    </a:p>
+                  </a:txBody>
+                  <a:tcPr marL="169711" marR="169711" marT="78328" marB="78328" anchor="ctr"/>
+                </a:tc>
+                <a:tc>
+                  <a:txBody>
+                    <a:bodyPr/>
+                    <a:lstStyle/>
+                    <a:p>
+                      <a:pPr algn="ctr"/>
+                      <a:r>
+                        <a:rPr lang="en-US" sz="2400">
+                          <a:effectLst/>
+                        </a:rPr>
+                        <a:t>0.89</a:t>
+                      </a:r>
+                    </a:p>
+                  </a:txBody>
+                  <a:tcPr marL="169711" marR="169711" marT="78328" marB="78328" anchor="ctr"/>
+                </a:tc>
+                <a:tc>
+                  <a:txBody>
+                    <a:bodyPr/>
+                    <a:lstStyle/>
+                    <a:p>
+                      <a:pPr algn="ctr"/>
+                      <a:r>
+                        <a:rPr lang="en-US" sz="2400">
+                          <a:effectLst/>
+                        </a:rPr>
+                        <a:t>0.88</a:t>
+                      </a:r>
+                    </a:p>
+                  </a:txBody>
+                  <a:tcPr marL="169711" marR="169711" marT="78328" marB="78328" anchor="ctr"/>
+                </a:tc>
+                <a:tc>
+                  <a:txBody>
+                    <a:bodyPr/>
+                    <a:lstStyle/>
+                    <a:p>
+                      <a:pPr algn="ctr"/>
+                      <a:r>
+                        <a:rPr lang="en-US" sz="2400" dirty="0">
+                          <a:effectLst/>
+                        </a:rPr>
+                        <a:t>26109</a:t>
+                      </a:r>
+                    </a:p>
+                  </a:txBody>
+                  <a:tcPr marL="169711" marR="169711" marT="78328" marB="78328" anchor="ctr"/>
+                </a:tc>
+                <a:extLst>
+                  <a:ext uri="{0D108BD9-81ED-4DB2-BD59-A6C34878D82A}">
+                    <a16:rowId xmlns:a16="http://schemas.microsoft.com/office/drawing/2014/main" val="340398194"/>
+                  </a:ext>
+                </a:extLst>
+              </a:tr>
+            </a:tbl>
+          </a:graphicData>
+        </a:graphic>
+      </p:graphicFrame>
+      <p:sp>
+        <p:nvSpPr>
+          <p:cNvPr id="5" name="TextBox 4">
+            <a:extLst>
+              <a:ext uri="{FF2B5EF4-FFF2-40B4-BE49-F238E27FC236}">
+                <a16:creationId xmlns:a16="http://schemas.microsoft.com/office/drawing/2014/main" id="{8F176A1B-1D03-C540-8DB8-91F799877AEF}"/>
+              </a:ext>
+            </a:extLst>
+          </p:cNvPr>
+          <p:cNvSpPr txBox="1"/>
+          <p:nvPr/>
+        </p:nvSpPr>
+        <p:spPr>
+          <a:xfrm>
+            <a:off x="4304582" y="1199071"/>
+            <a:ext cx="6443932" cy="369332"/>
+          </a:xfrm>
+          <a:prstGeom prst="rect">
+            <a:avLst/>
+          </a:prstGeom>
+          <a:noFill/>
+        </p:spPr>
+        <p:txBody>
+          <a:bodyPr wrap="square" rtlCol="0">
+            <a:spAutoFit/>
+          </a:bodyPr>
+          <a:lstStyle/>
+          <a:p>
+            <a:r>
+              <a:rPr lang="en-US" b="1" u="sng" dirty="0"/>
+              <a:t>Evaluating the Models</a:t>
+            </a:r>
+          </a:p>
+        </p:txBody>
+      </p:sp>
+      <p:sp>
+        <p:nvSpPr>
+          <p:cNvPr id="6" name="TextBox 5">
+            <a:extLst>
+              <a:ext uri="{FF2B5EF4-FFF2-40B4-BE49-F238E27FC236}">
+                <a16:creationId xmlns:a16="http://schemas.microsoft.com/office/drawing/2014/main" id="{E5632CF2-4A7C-AE41-840B-737F667751CB}"/>
+              </a:ext>
+            </a:extLst>
+          </p:cNvPr>
+          <p:cNvSpPr txBox="1"/>
+          <p:nvPr/>
+        </p:nvSpPr>
+        <p:spPr>
+          <a:xfrm>
+            <a:off x="5719312" y="4468483"/>
+            <a:ext cx="6409427" cy="923330"/>
+          </a:xfrm>
+          <a:prstGeom prst="rect">
+            <a:avLst/>
+          </a:prstGeom>
+          <a:noFill/>
+        </p:spPr>
+        <p:txBody>
+          <a:bodyPr wrap="square" rtlCol="0">
+            <a:spAutoFit/>
+          </a:bodyPr>
+          <a:lstStyle/>
+          <a:p>
+            <a:r>
+              <a:rPr lang="en-US" dirty="0"/>
+              <a:t>Based on RMSE , our fit model is LassoCV.</a:t>
+            </a:r>
+          </a:p>
+          <a:p>
+            <a:endParaRPr lang="en-US" dirty="0"/>
+          </a:p>
+          <a:p>
+            <a:endParaRPr lang="en-US" dirty="0"/>
+          </a:p>
+        </p:txBody>
+      </p:sp>
+    </p:spTree>
+    <p:extLst>
+      <p:ext uri="{BB962C8B-B14F-4D97-AF65-F5344CB8AC3E}">
+        <p14:creationId xmlns:p14="http://schemas.microsoft.com/office/powerpoint/2010/main" val="2336242588"/>
       </p:ext>
     </p:extLst>
   </p:cSld>
